--- a/starter/DevOpsPipeline.pptx
+++ b/starter/DevOpsPipeline.pptx
@@ -491,8 +491,8 @@
         </p:nvSpPr>
         <p:spPr>
           <a:xfrm>
-            <a:off x="311708" y="744574"/>
-            <a:ext cx="8520601" cy="2052601"/>
+            <a:off x="311708" y="744573"/>
+            <a:ext cx="8520601" cy="2052603"/>
           </a:xfrm>
           <a:prstGeom prst="rect">
             <a:avLst/>
@@ -523,8 +523,8 @@
         </p:nvSpPr>
         <p:spPr>
           <a:xfrm>
-            <a:off x="311699" y="2834125"/>
-            <a:ext cx="8520602" cy="792601"/>
+            <a:off x="311698" y="2834125"/>
+            <a:ext cx="8520603" cy="792602"/>
           </a:xfrm>
           <a:prstGeom prst="rect">
             <a:avLst/>
@@ -533,7 +533,7 @@
         <p:txBody>
           <a:bodyPr/>
           <a:lstStyle>
-            <a:lvl1pPr marL="342900" indent="-228600" algn="ctr">
+            <a:lvl1pPr marL="228600" indent="-114300" algn="ctr">
               <a:lnSpc>
                 <a:spcPct val="100000"/>
               </a:lnSpc>
@@ -543,7 +543,7 @@
               <a:buNone/>
               <a:defRPr sz="2800"/>
             </a:lvl1pPr>
-            <a:lvl2pPr marL="342900" indent="254000" algn="ctr">
+            <a:lvl2pPr marL="228600" indent="114300" algn="ctr">
               <a:lnSpc>
                 <a:spcPct val="100000"/>
               </a:lnSpc>
@@ -553,7 +553,7 @@
               <a:buNone/>
               <a:defRPr sz="2800"/>
             </a:lvl2pPr>
-            <a:lvl3pPr marL="342900" indent="711200" algn="ctr">
+            <a:lvl3pPr marL="228600" indent="114300" algn="ctr">
               <a:lnSpc>
                 <a:spcPct val="100000"/>
               </a:lnSpc>
@@ -563,7 +563,7 @@
               <a:buNone/>
               <a:defRPr sz="2800"/>
             </a:lvl3pPr>
-            <a:lvl4pPr marL="342900" indent="1168400" algn="ctr">
+            <a:lvl4pPr marL="228600" indent="114300" algn="ctr">
               <a:lnSpc>
                 <a:spcPct val="100000"/>
               </a:lnSpc>
@@ -573,7 +573,7 @@
               <a:buNone/>
               <a:defRPr sz="2800"/>
             </a:lvl4pPr>
-            <a:lvl5pPr marL="342900" indent="1625600" algn="ctr">
+            <a:lvl5pPr marL="228600" indent="114300" algn="ctr">
               <a:lnSpc>
                 <a:spcPct val="100000"/>
               </a:lnSpc>
@@ -674,8 +674,8 @@
         </p:nvSpPr>
         <p:spPr>
           <a:xfrm>
-            <a:off x="311699" y="1106125"/>
-            <a:ext cx="8520602" cy="1963500"/>
+            <a:off x="311698" y="1106125"/>
+            <a:ext cx="8520603" cy="1963500"/>
           </a:xfrm>
           <a:prstGeom prst="rect">
             <a:avLst/>
@@ -706,8 +706,8 @@
         </p:nvSpPr>
         <p:spPr>
           <a:xfrm>
-            <a:off x="311699" y="3152225"/>
-            <a:ext cx="8520602" cy="1300800"/>
+            <a:off x="311698" y="3152225"/>
+            <a:ext cx="8520603" cy="1300800"/>
           </a:xfrm>
           <a:prstGeom prst="rect">
             <a:avLst/>
@@ -860,8 +860,8 @@
         </p:nvSpPr>
         <p:spPr>
           <a:xfrm>
-            <a:off x="311699" y="2150849"/>
-            <a:ext cx="8520602" cy="841801"/>
+            <a:off x="311698" y="2150848"/>
+            <a:ext cx="8520603" cy="841802"/>
           </a:xfrm>
           <a:prstGeom prst="rect">
             <a:avLst/>
@@ -1084,8 +1084,8 @@
         </p:nvSpPr>
         <p:spPr>
           <a:xfrm>
-            <a:off x="311699" y="1152475"/>
-            <a:ext cx="3999902" cy="3416400"/>
+            <a:off x="311698" y="1152475"/>
+            <a:ext cx="3999903" cy="3416400"/>
           </a:xfrm>
           <a:prstGeom prst="rect">
             <a:avLst/>
@@ -1157,8 +1157,8 @@
         </p:nvSpPr>
         <p:spPr>
           <a:xfrm>
-            <a:off x="4832399" y="1152475"/>
-            <a:ext cx="3999902" cy="3416400"/>
+            <a:off x="4832398" y="1152475"/>
+            <a:ext cx="3999903" cy="3416400"/>
           </a:xfrm>
           <a:prstGeom prst="rect">
             <a:avLst/>
@@ -1168,10 +1168,7 @@
           <a:bodyPr/>
           <a:lstStyle/>
           <a:p>
-            <a:pPr indent="-317500">
-              <a:buSzPts val="1400"/>
-              <a:defRPr sz="1400"/>
-            </a:pPr>
+            <a:pPr/>
           </a:p>
         </p:txBody>
       </p:sp>
@@ -1305,8 +1302,8 @@
         </p:nvSpPr>
         <p:spPr>
           <a:xfrm>
-            <a:off x="311699" y="555600"/>
-            <a:ext cx="2808001" cy="755700"/>
+            <a:off x="311698" y="555600"/>
+            <a:ext cx="2808003" cy="755700"/>
           </a:xfrm>
           <a:prstGeom prst="rect">
             <a:avLst/>
@@ -1337,8 +1334,8 @@
         </p:nvSpPr>
         <p:spPr>
           <a:xfrm>
-            <a:off x="311699" y="1389599"/>
-            <a:ext cx="2808001" cy="3179401"/>
+            <a:off x="311698" y="1389598"/>
+            <a:ext cx="2808003" cy="3179403"/>
           </a:xfrm>
           <a:prstGeom prst="rect">
             <a:avLst/>
@@ -1458,8 +1455,8 @@
         </p:nvSpPr>
         <p:spPr>
           <a:xfrm>
-            <a:off x="490250" y="450149"/>
-            <a:ext cx="6367801" cy="4090801"/>
+            <a:off x="490250" y="450148"/>
+            <a:ext cx="6367801" cy="4090803"/>
           </a:xfrm>
           <a:prstGeom prst="rect">
             <a:avLst/>
@@ -1536,8 +1533,8 @@
         </p:nvSpPr>
         <p:spPr>
           <a:xfrm>
-            <a:off x="4572000" y="-125"/>
-            <a:ext cx="4572000" cy="5143501"/>
+            <a:off x="4572000" y="-126"/>
+            <a:ext cx="4572000" cy="5143503"/>
           </a:xfrm>
           <a:prstGeom prst="rect">
             <a:avLst/>
@@ -1568,7 +1565,7 @@
         <p:spPr>
           <a:xfrm>
             <a:off x="265500" y="1233175"/>
-            <a:ext cx="4045200" cy="1482301"/>
+            <a:ext cx="4045200" cy="1482302"/>
           </a:xfrm>
           <a:prstGeom prst="rect">
             <a:avLst/>
@@ -1609,7 +1606,7 @@
         <p:txBody>
           <a:bodyPr/>
           <a:lstStyle>
-            <a:lvl1pPr marL="342900" indent="-228600" algn="ctr">
+            <a:lvl1pPr marL="228600" indent="-114300" algn="ctr">
               <a:lnSpc>
                 <a:spcPct val="100000"/>
               </a:lnSpc>
@@ -1619,7 +1616,7 @@
               <a:buNone/>
               <a:defRPr sz="2100"/>
             </a:lvl1pPr>
-            <a:lvl2pPr marL="342900" indent="254000" algn="ctr">
+            <a:lvl2pPr marL="228600" indent="114300" algn="ctr">
               <a:lnSpc>
                 <a:spcPct val="100000"/>
               </a:lnSpc>
@@ -1629,7 +1626,7 @@
               <a:buNone/>
               <a:defRPr sz="2100"/>
             </a:lvl2pPr>
-            <a:lvl3pPr marL="342900" indent="711200" algn="ctr">
+            <a:lvl3pPr marL="228600" indent="114300" algn="ctr">
               <a:lnSpc>
                 <a:spcPct val="100000"/>
               </a:lnSpc>
@@ -1639,7 +1636,7 @@
               <a:buNone/>
               <a:defRPr sz="2100"/>
             </a:lvl3pPr>
-            <a:lvl4pPr marL="342900" indent="1168400" algn="ctr">
+            <a:lvl4pPr marL="228600" indent="114300" algn="ctr">
               <a:lnSpc>
                 <a:spcPct val="100000"/>
               </a:lnSpc>
@@ -1649,7 +1646,7 @@
               <a:buNone/>
               <a:defRPr sz="2100"/>
             </a:lvl4pPr>
-            <a:lvl5pPr marL="342900" indent="1625600" algn="ctr">
+            <a:lvl5pPr marL="228600" indent="114300" algn="ctr">
               <a:lnSpc>
                 <a:spcPct val="100000"/>
               </a:lnSpc>
@@ -1703,7 +1700,7 @@
         <p:spPr>
           <a:xfrm>
             <a:off x="4939500" y="724074"/>
-            <a:ext cx="3837000" cy="3695102"/>
+            <a:ext cx="3837000" cy="3695103"/>
           </a:xfrm>
           <a:prstGeom prst="rect">
             <a:avLst/>
@@ -1775,8 +1772,8 @@
         </p:nvSpPr>
         <p:spPr>
           <a:xfrm>
-            <a:off x="311699" y="4230575"/>
-            <a:ext cx="5998802" cy="605101"/>
+            <a:off x="311698" y="4230575"/>
+            <a:ext cx="5998804" cy="605102"/>
           </a:xfrm>
           <a:prstGeom prst="rect">
             <a:avLst/>
@@ -1785,7 +1782,7 @@
         <p:txBody>
           <a:bodyPr anchor="ctr"/>
           <a:lstStyle>
-            <a:lvl1pPr marL="228600" indent="0">
+            <a:lvl1pPr marL="0" indent="228600">
               <a:lnSpc>
                 <a:spcPct val="100000"/>
               </a:lnSpc>
@@ -1920,8 +1917,8 @@
         </p:nvSpPr>
         <p:spPr>
           <a:xfrm>
-            <a:off x="311699" y="445025"/>
-            <a:ext cx="8520602" cy="572701"/>
+            <a:off x="311698" y="445025"/>
+            <a:ext cx="8520603" cy="572702"/>
           </a:xfrm>
           <a:prstGeom prst="rect">
             <a:avLst/>
@@ -1936,7 +1933,7 @@
           </a:extLst>
         </p:spPr>
         <p:txBody>
-          <a:bodyPr lIns="91424" tIns="91424" rIns="91424" bIns="91424">
+          <a:bodyPr lIns="91423" tIns="91423" rIns="91423" bIns="91423">
             <a:normAutofit fontScale="100000" lnSpcReduction="0"/>
           </a:bodyPr>
           <a:lstStyle/>
@@ -1958,8 +1955,8 @@
         </p:nvSpPr>
         <p:spPr>
           <a:xfrm>
-            <a:off x="311699" y="1152475"/>
-            <a:ext cx="8520602" cy="3416400"/>
+            <a:off x="311698" y="1152475"/>
+            <a:ext cx="8520603" cy="3416400"/>
           </a:xfrm>
           <a:prstGeom prst="rect">
             <a:avLst/>
@@ -1974,7 +1971,7 @@
           </a:extLst>
         </p:spPr>
         <p:txBody>
-          <a:bodyPr lIns="91424" tIns="91424" rIns="91424" bIns="91424">
+          <a:bodyPr lIns="91423" tIns="91423" rIns="91423" bIns="91423">
             <a:normAutofit fontScale="100000" lnSpcReduction="0"/>
           </a:bodyPr>
           <a:lstStyle/>
@@ -2020,8 +2017,8 @@
         </p:nvSpPr>
         <p:spPr>
           <a:xfrm>
-            <a:off x="8684345" y="4700819"/>
-            <a:ext cx="336814" cy="318396"/>
+            <a:off x="8684348" y="4700820"/>
+            <a:ext cx="336812" cy="318394"/>
           </a:xfrm>
           <a:prstGeom prst="rect">
             <a:avLst/>
@@ -2031,16 +2028,14 @@
           </a:ln>
         </p:spPr>
         <p:txBody>
-          <a:bodyPr wrap="none" lIns="91424" tIns="91424" rIns="91424" bIns="91424" anchor="ctr">
+          <a:bodyPr wrap="none" lIns="91423" tIns="91423" rIns="91423" bIns="91423" anchor="ctr">
             <a:spAutoFit/>
           </a:bodyPr>
           <a:lstStyle>
             <a:lvl1pPr algn="r">
               <a:defRPr sz="1000">
                 <a:solidFill>
-                  <a:schemeClr val="accent2">
-                    <a:lumOff val="21764"/>
-                  </a:schemeClr>
+                  <a:srgbClr val="585858"/>
                 </a:solidFill>
               </a:defRPr>
             </a:lvl1pPr>
@@ -2317,9 +2312,7 @@
           <a:spcPts val="0"/>
         </a:spcAft>
         <a:buClr>
-          <a:schemeClr val="accent2">
-            <a:lumOff val="21764"/>
-          </a:schemeClr>
+          <a:srgbClr val="585858"/>
         </a:buClr>
         <a:buSzPts val="1800"/>
         <a:buFont typeface="Arial"/>
@@ -2327,9 +2320,7 @@
         <a:tabLst/>
         <a:defRPr b="0" baseline="0" cap="none" i="0" spc="0" strike="noStrike" sz="1800" u="none">
           <a:solidFill>
-            <a:schemeClr val="accent2">
-              <a:lumOff val="21764"/>
-            </a:schemeClr>
+            <a:srgbClr val="585858"/>
           </a:solidFill>
           <a:uFillTx/>
           <a:latin typeface="+mn-lt"/>
@@ -2338,7 +2329,7 @@
           <a:sym typeface="Arial"/>
         </a:defRPr>
       </a:lvl1pPr>
-      <a:lvl2pPr marL="1005114" marR="0" indent="-408214" algn="l" defTabSz="914400" rtl="0" latinLnBrk="0">
+      <a:lvl2pPr marL="1005114" marR="0" indent="-408213" algn="l" defTabSz="914400" rtl="0" latinLnBrk="0">
         <a:lnSpc>
           <a:spcPct val="115000"/>
         </a:lnSpc>
@@ -2349,9 +2340,7 @@
           <a:spcPts val="0"/>
         </a:spcAft>
         <a:buClr>
-          <a:schemeClr val="accent2">
-            <a:lumOff val="21764"/>
-          </a:schemeClr>
+          <a:srgbClr val="585858"/>
         </a:buClr>
         <a:buSzPts val="1800"/>
         <a:buFont typeface="Arial"/>
@@ -2359,9 +2348,7 @@
         <a:tabLst/>
         <a:defRPr b="0" baseline="0" cap="none" i="0" spc="0" strike="noStrike" sz="1800" u="none">
           <a:solidFill>
-            <a:schemeClr val="accent2">
-              <a:lumOff val="21764"/>
-            </a:schemeClr>
+            <a:srgbClr val="585858"/>
           </a:solidFill>
           <a:uFillTx/>
           <a:latin typeface="+mn-lt"/>
@@ -2381,9 +2368,7 @@
           <a:spcPts val="0"/>
         </a:spcAft>
         <a:buClr>
-          <a:schemeClr val="accent2">
-            <a:lumOff val="21764"/>
-          </a:schemeClr>
+          <a:srgbClr val="585858"/>
         </a:buClr>
         <a:buSzPts val="1800"/>
         <a:buFont typeface="Arial"/>
@@ -2391,9 +2376,7 @@
         <a:tabLst/>
         <a:defRPr b="0" baseline="0" cap="none" i="0" spc="0" strike="noStrike" sz="1800" u="none">
           <a:solidFill>
-            <a:schemeClr val="accent2">
-              <a:lumOff val="21764"/>
-            </a:schemeClr>
+            <a:srgbClr val="585858"/>
           </a:solidFill>
           <a:uFillTx/>
           <a:latin typeface="+mn-lt"/>
@@ -2413,9 +2396,7 @@
           <a:spcPts val="0"/>
         </a:spcAft>
         <a:buClr>
-          <a:schemeClr val="accent2">
-            <a:lumOff val="21764"/>
-          </a:schemeClr>
+          <a:srgbClr val="585858"/>
         </a:buClr>
         <a:buSzPts val="1800"/>
         <a:buFont typeface="Arial"/>
@@ -2423,9 +2404,7 @@
         <a:tabLst/>
         <a:defRPr b="0" baseline="0" cap="none" i="0" spc="0" strike="noStrike" sz="1800" u="none">
           <a:solidFill>
-            <a:schemeClr val="accent2">
-              <a:lumOff val="21764"/>
-            </a:schemeClr>
+            <a:srgbClr val="585858"/>
           </a:solidFill>
           <a:uFillTx/>
           <a:latin typeface="+mn-lt"/>
@@ -2445,9 +2424,7 @@
           <a:spcPts val="0"/>
         </a:spcAft>
         <a:buClr>
-          <a:schemeClr val="accent2">
-            <a:lumOff val="21764"/>
-          </a:schemeClr>
+          <a:srgbClr val="585858"/>
         </a:buClr>
         <a:buSzPts val="1800"/>
         <a:buFont typeface="Arial"/>
@@ -2455,9 +2432,7 @@
         <a:tabLst/>
         <a:defRPr b="0" baseline="0" cap="none" i="0" spc="0" strike="noStrike" sz="1800" u="none">
           <a:solidFill>
-            <a:schemeClr val="accent2">
-              <a:lumOff val="21764"/>
-            </a:schemeClr>
+            <a:srgbClr val="585858"/>
           </a:solidFill>
           <a:uFillTx/>
           <a:latin typeface="+mn-lt"/>
@@ -2477,9 +2452,7 @@
           <a:spcPts val="0"/>
         </a:spcAft>
         <a:buClr>
-          <a:schemeClr val="accent2">
-            <a:lumOff val="21764"/>
-          </a:schemeClr>
+          <a:srgbClr val="585858"/>
         </a:buClr>
         <a:buSzPts val="1800"/>
         <a:buFont typeface="Arial"/>
@@ -2487,9 +2460,7 @@
         <a:tabLst/>
         <a:defRPr b="0" baseline="0" cap="none" i="0" spc="0" strike="noStrike" sz="1800" u="none">
           <a:solidFill>
-            <a:schemeClr val="accent2">
-              <a:lumOff val="21764"/>
-            </a:schemeClr>
+            <a:srgbClr val="585858"/>
           </a:solidFill>
           <a:uFillTx/>
           <a:latin typeface="+mn-lt"/>
@@ -2498,7 +2469,7 @@
           <a:sym typeface="Arial"/>
         </a:defRPr>
       </a:lvl6pPr>
-      <a:lvl7pPr marL="3291114" marR="0" indent="-408214" algn="l" defTabSz="914400" rtl="0" latinLnBrk="0">
+      <a:lvl7pPr marL="3291113" marR="0" indent="-408214" algn="l" defTabSz="914400" rtl="0" latinLnBrk="0">
         <a:lnSpc>
           <a:spcPct val="115000"/>
         </a:lnSpc>
@@ -2509,9 +2480,7 @@
           <a:spcPts val="0"/>
         </a:spcAft>
         <a:buClr>
-          <a:schemeClr val="accent2">
-            <a:lumOff val="21764"/>
-          </a:schemeClr>
+          <a:srgbClr val="585858"/>
         </a:buClr>
         <a:buSzPts val="1800"/>
         <a:buFont typeface="Arial"/>
@@ -2519,9 +2488,7 @@
         <a:tabLst/>
         <a:defRPr b="0" baseline="0" cap="none" i="0" spc="0" strike="noStrike" sz="1800" u="none">
           <a:solidFill>
-            <a:schemeClr val="accent2">
-              <a:lumOff val="21764"/>
-            </a:schemeClr>
+            <a:srgbClr val="585858"/>
           </a:solidFill>
           <a:uFillTx/>
           <a:latin typeface="+mn-lt"/>
@@ -2530,7 +2497,7 @@
           <a:sym typeface="Arial"/>
         </a:defRPr>
       </a:lvl7pPr>
-      <a:lvl8pPr marL="3748314" marR="0" indent="-408214" algn="l" defTabSz="914400" rtl="0" latinLnBrk="0">
+      <a:lvl8pPr marL="3748313" marR="0" indent="-408213" algn="l" defTabSz="914400" rtl="0" latinLnBrk="0">
         <a:lnSpc>
           <a:spcPct val="115000"/>
         </a:lnSpc>
@@ -2541,9 +2508,7 @@
           <a:spcPts val="0"/>
         </a:spcAft>
         <a:buClr>
-          <a:schemeClr val="accent2">
-            <a:lumOff val="21764"/>
-          </a:schemeClr>
+          <a:srgbClr val="585858"/>
         </a:buClr>
         <a:buSzPts val="1800"/>
         <a:buFont typeface="Arial"/>
@@ -2551,9 +2516,7 @@
         <a:tabLst/>
         <a:defRPr b="0" baseline="0" cap="none" i="0" spc="0" strike="noStrike" sz="1800" u="none">
           <a:solidFill>
-            <a:schemeClr val="accent2">
-              <a:lumOff val="21764"/>
-            </a:schemeClr>
+            <a:srgbClr val="585858"/>
           </a:solidFill>
           <a:uFillTx/>
           <a:latin typeface="+mn-lt"/>
@@ -2562,7 +2525,7 @@
           <a:sym typeface="Arial"/>
         </a:defRPr>
       </a:lvl8pPr>
-      <a:lvl9pPr marL="4205514" marR="0" indent="-408214" algn="l" defTabSz="914400" rtl="0" latinLnBrk="0">
+      <a:lvl9pPr marL="4205513" marR="0" indent="-408213" algn="l" defTabSz="914400" rtl="0" latinLnBrk="0">
         <a:lnSpc>
           <a:spcPct val="115000"/>
         </a:lnSpc>
@@ -2573,9 +2536,7 @@
           <a:spcPts val="0"/>
         </a:spcAft>
         <a:buClr>
-          <a:schemeClr val="accent2">
-            <a:lumOff val="21764"/>
-          </a:schemeClr>
+          <a:srgbClr val="585858"/>
         </a:buClr>
         <a:buSzPts val="1800"/>
         <a:buFont typeface="Arial"/>
@@ -2583,9 +2544,7 @@
         <a:tabLst/>
         <a:defRPr b="0" baseline="0" cap="none" i="0" spc="0" strike="noStrike" sz="1800" u="none">
           <a:solidFill>
-            <a:schemeClr val="accent2">
-              <a:lumOff val="21764"/>
-            </a:schemeClr>
+            <a:srgbClr val="585858"/>
           </a:solidFill>
           <a:uFillTx/>
           <a:latin typeface="+mn-lt"/>
@@ -2860,10 +2819,10 @@
         </p:nvGrpSpPr>
         <p:grpSpPr>
           <a:xfrm>
-            <a:off x="2346205" y="2111327"/>
-            <a:ext cx="1308001" cy="597796"/>
+            <a:off x="2346205" y="2111326"/>
+            <a:ext cx="1308003" cy="597795"/>
             <a:chOff x="0" y="0"/>
-            <a:chExt cx="1308000" cy="597795"/>
+            <a:chExt cx="1308001" cy="597793"/>
           </a:xfrm>
         </p:grpSpPr>
         <p:sp>
@@ -2875,7 +2834,7 @@
           <p:spPr>
             <a:xfrm>
               <a:off x="0" y="97"/>
-              <a:ext cx="1308001" cy="597601"/>
+              <a:ext cx="1308002" cy="597603"/>
             </a:xfrm>
             <a:prstGeom prst="rect">
               <a:avLst/>
@@ -2910,7 +2869,7 @@
           <p:spPr>
             <a:xfrm>
               <a:off x="0" y="0"/>
-              <a:ext cx="1308001" cy="597796"/>
+              <a:ext cx="1308002" cy="597794"/>
             </a:xfrm>
             <a:prstGeom prst="rect">
               <a:avLst/>
@@ -2928,7 +2887,7 @@
             </a:extLst>
           </p:spPr>
           <p:txBody>
-            <a:bodyPr wrap="square" lIns="91424" tIns="91424" rIns="91424" bIns="91424" numCol="1" anchor="ctr">
+            <a:bodyPr wrap="square" lIns="91423" tIns="91423" rIns="91423" bIns="91423" numCol="1" anchor="ctr">
               <a:spAutoFit/>
             </a:bodyPr>
             <a:lstStyle>
@@ -2953,10 +2912,10 @@
         </p:nvGrpSpPr>
         <p:grpSpPr>
           <a:xfrm>
-            <a:off x="7015842" y="2111327"/>
-            <a:ext cx="1666501" cy="597796"/>
+            <a:off x="7015842" y="2111326"/>
+            <a:ext cx="1666503" cy="597795"/>
             <a:chOff x="0" y="0"/>
-            <a:chExt cx="1666500" cy="597795"/>
+            <a:chExt cx="1666501" cy="597793"/>
           </a:xfrm>
         </p:grpSpPr>
         <p:sp>
@@ -2968,7 +2927,7 @@
           <p:spPr>
             <a:xfrm>
               <a:off x="0" y="97"/>
-              <a:ext cx="1666501" cy="597601"/>
+              <a:ext cx="1666502" cy="597603"/>
             </a:xfrm>
             <a:prstGeom prst="rect">
               <a:avLst/>
@@ -3003,7 +2962,7 @@
           <p:spPr>
             <a:xfrm>
               <a:off x="0" y="0"/>
-              <a:ext cx="1666501" cy="597796"/>
+              <a:ext cx="1666502" cy="597794"/>
             </a:xfrm>
             <a:prstGeom prst="rect">
               <a:avLst/>
@@ -3021,7 +2980,7 @@
             </a:extLst>
           </p:spPr>
           <p:txBody>
-            <a:bodyPr wrap="square" lIns="91424" tIns="91424" rIns="91424" bIns="91424" numCol="1" anchor="ctr">
+            <a:bodyPr wrap="square" lIns="91423" tIns="91423" rIns="91423" bIns="91423" numCol="1" anchor="ctr">
               <a:spAutoFit/>
             </a:bodyPr>
             <a:lstStyle>
@@ -3046,10 +3005,10 @@
         </p:nvGrpSpPr>
         <p:grpSpPr>
           <a:xfrm>
-            <a:off x="4427764" y="2111327"/>
-            <a:ext cx="1308001" cy="597796"/>
+            <a:off x="4427763" y="2111326"/>
+            <a:ext cx="1308003" cy="597795"/>
             <a:chOff x="0" y="0"/>
-            <a:chExt cx="1308000" cy="597795"/>
+            <a:chExt cx="1308001" cy="597793"/>
           </a:xfrm>
         </p:grpSpPr>
         <p:sp>
@@ -3061,7 +3020,7 @@
           <p:spPr>
             <a:xfrm>
               <a:off x="0" y="97"/>
-              <a:ext cx="1308001" cy="597601"/>
+              <a:ext cx="1308002" cy="597603"/>
             </a:xfrm>
             <a:prstGeom prst="rect">
               <a:avLst/>
@@ -3096,7 +3055,7 @@
           <p:spPr>
             <a:xfrm>
               <a:off x="0" y="0"/>
-              <a:ext cx="1308001" cy="597796"/>
+              <a:ext cx="1308002" cy="597794"/>
             </a:xfrm>
             <a:prstGeom prst="rect">
               <a:avLst/>
@@ -3114,7 +3073,7 @@
             </a:extLst>
           </p:spPr>
           <p:txBody>
-            <a:bodyPr wrap="square" lIns="91424" tIns="91424" rIns="91424" bIns="91424" numCol="1" anchor="ctr">
+            <a:bodyPr wrap="square" lIns="91423" tIns="91423" rIns="91423" bIns="91423" numCol="1" anchor="ctr">
               <a:spAutoFit/>
             </a:bodyPr>
             <a:lstStyle>
@@ -3139,10 +3098,10 @@
         </p:nvGrpSpPr>
         <p:grpSpPr>
           <a:xfrm>
-            <a:off x="209512" y="561362"/>
-            <a:ext cx="1308001" cy="597601"/>
-            <a:chOff x="0" y="0"/>
-            <a:chExt cx="1308000" cy="597600"/>
+            <a:off x="209510" y="561361"/>
+            <a:ext cx="1308004" cy="597604"/>
+            <a:chOff x="-1" y="0"/>
+            <a:chExt cx="1308003" cy="597603"/>
           </a:xfrm>
         </p:grpSpPr>
         <p:sp>
@@ -3153,8 +3112,8 @@
           </p:nvSpPr>
           <p:spPr>
             <a:xfrm>
-              <a:off x="-1" y="-1"/>
-              <a:ext cx="1308002" cy="597602"/>
+              <a:off x="-2" y="-1"/>
+              <a:ext cx="1308004" cy="597604"/>
             </a:xfrm>
             <a:prstGeom prst="rect">
               <a:avLst/>
@@ -3188,8 +3147,8 @@
           </p:nvSpPr>
           <p:spPr>
             <a:xfrm>
-              <a:off x="-1" y="69752"/>
-              <a:ext cx="1308002" cy="458096"/>
+              <a:off x="-2" y="69752"/>
+              <a:ext cx="1308004" cy="458094"/>
             </a:xfrm>
             <a:prstGeom prst="rect">
               <a:avLst/>
@@ -3207,7 +3166,7 @@
             </a:extLst>
           </p:spPr>
           <p:txBody>
-            <a:bodyPr wrap="square" lIns="91424" tIns="91424" rIns="91424" bIns="91424" numCol="1" anchor="ctr">
+            <a:bodyPr wrap="square" lIns="91423" tIns="91423" rIns="91423" bIns="91423" numCol="1" anchor="ctr">
               <a:spAutoFit/>
             </a:bodyPr>
             <a:lstStyle>
@@ -3231,11 +3190,11 @@
           <p:nvPr/>
         </p:nvGrpSpPr>
         <p:grpSpPr>
-          <a:xfrm rot="21566393">
-            <a:off x="502759" y="3436624"/>
-            <a:ext cx="1313879" cy="620432"/>
+          <a:xfrm>
+            <a:off x="499756" y="3430215"/>
+            <a:ext cx="1319885" cy="633250"/>
             <a:chOff x="0" y="0"/>
-            <a:chExt cx="1313877" cy="620430"/>
+            <a:chExt cx="1319883" cy="633248"/>
           </a:xfrm>
         </p:grpSpPr>
         <p:sp>
@@ -3245,9 +3204,9 @@
             <p:nvPr/>
           </p:nvSpPr>
           <p:spPr>
-            <a:xfrm>
-              <a:off x="-1" y="-1"/>
-              <a:ext cx="1313879" cy="620432"/>
+            <a:xfrm rot="21566393">
+              <a:off x="3001" y="6407"/>
+              <a:ext cx="1313882" cy="620435"/>
             </a:xfrm>
             <a:prstGeom prst="rect">
               <a:avLst/>
@@ -3280,9 +3239,9 @@
             <p:nvPr/>
           </p:nvSpPr>
           <p:spPr>
-            <a:xfrm>
-              <a:off x="-1" y="72417"/>
-              <a:ext cx="1313879" cy="475597"/>
+            <a:xfrm rot="21566393">
+              <a:off x="3001" y="87577"/>
+              <a:ext cx="1313882" cy="458095"/>
             </a:xfrm>
             <a:prstGeom prst="rect">
               <a:avLst/>
@@ -3300,8 +3259,8 @@
             </a:extLst>
           </p:spPr>
           <p:txBody>
-            <a:bodyPr wrap="square" lIns="91424" tIns="91424" rIns="91424" bIns="91424" numCol="1" anchor="ctr">
-              <a:noAutofit/>
+            <a:bodyPr wrap="square" lIns="91423" tIns="91423" rIns="91423" bIns="91423" numCol="1" anchor="ctr">
+              <a:spAutoFit/>
             </a:bodyPr>
             <a:lstStyle>
               <a:lvl1pPr algn="ctr">
@@ -3319,56 +3278,27 @@
       </p:grpSp>
       <p:sp>
         <p:nvSpPr>
-          <p:cNvPr id="140" name="Google Shape;59;p13"/>
+          <p:cNvPr id="124" name="Google Shape;59;p13"/>
           <p:cNvSpPr/>
           <p:nvPr/>
         </p:nvSpPr>
         <p:spPr>
           <a:xfrm>
-            <a:off x="1516380" y="859790"/>
-            <a:ext cx="829310" cy="0"/>
+            <a:off x="1516380" y="859789"/>
+            <a:ext cx="829311" cy="1"/>
           </a:xfrm>
-          <a:custGeom>
+          <a:prstGeom prst="line">
             <a:avLst/>
-            <a:gdLst/>
-            <a:ahLst/>
-            <a:cxnLst>
-              <a:cxn ang="0">
-                <a:pos x="wd2" y="hd2"/>
-              </a:cxn>
-              <a:cxn ang="5400000">
-                <a:pos x="wd2" y="hd2"/>
-              </a:cxn>
-              <a:cxn ang="10800000">
-                <a:pos x="wd2" y="hd2"/>
-              </a:cxn>
-              <a:cxn ang="16200000">
-                <a:pos x="wd2" y="hd2"/>
-              </a:cxn>
-            </a:cxnLst>
-            <a:rect l="0" t="0" r="r" b="b"/>
-            <a:pathLst>
-              <a:path w="21600" h="0" fill="norm" stroke="1" extrusionOk="0">
-                <a:moveTo>
-                  <a:pt x="0" y="0"/>
-                </a:moveTo>
-                <a:lnTo>
-                  <a:pt x="21600" y="0"/>
-                </a:lnTo>
-              </a:path>
-            </a:pathLst>
-          </a:custGeom>
+          </a:prstGeom>
           <a:ln>
             <a:solidFill>
-              <a:schemeClr val="accent2">
-                <a:lumOff val="21764"/>
-              </a:schemeClr>
+              <a:srgbClr val="585858"/>
             </a:solidFill>
             <a:tailEnd type="triangle"/>
           </a:ln>
         </p:spPr>
         <p:txBody>
-          <a:bodyPr/>
+          <a:bodyPr lIns="45718" tIns="45718" rIns="45718" bIns="45718"/>
           <a:lstStyle/>
           <a:p>
             <a:pPr/>
@@ -3377,56 +3307,27 @@
       </p:sp>
       <p:sp>
         <p:nvSpPr>
-          <p:cNvPr id="141" name="Google Shape;61;p13"/>
+          <p:cNvPr id="125" name="Google Shape;61;p13"/>
           <p:cNvSpPr/>
           <p:nvPr/>
         </p:nvSpPr>
         <p:spPr>
           <a:xfrm>
-            <a:off x="3653789" y="2409190"/>
-            <a:ext cx="773431" cy="0"/>
+            <a:off x="3653789" y="2409189"/>
+            <a:ext cx="773432" cy="1"/>
           </a:xfrm>
-          <a:custGeom>
+          <a:prstGeom prst="line">
             <a:avLst/>
-            <a:gdLst/>
-            <a:ahLst/>
-            <a:cxnLst>
-              <a:cxn ang="0">
-                <a:pos x="wd2" y="hd2"/>
-              </a:cxn>
-              <a:cxn ang="5400000">
-                <a:pos x="wd2" y="hd2"/>
-              </a:cxn>
-              <a:cxn ang="10800000">
-                <a:pos x="wd2" y="hd2"/>
-              </a:cxn>
-              <a:cxn ang="16200000">
-                <a:pos x="wd2" y="hd2"/>
-              </a:cxn>
-            </a:cxnLst>
-            <a:rect l="0" t="0" r="r" b="b"/>
-            <a:pathLst>
-              <a:path w="21600" h="0" fill="norm" stroke="1" extrusionOk="0">
-                <a:moveTo>
-                  <a:pt x="0" y="0"/>
-                </a:moveTo>
-                <a:lnTo>
-                  <a:pt x="21600" y="0"/>
-                </a:lnTo>
-              </a:path>
-            </a:pathLst>
-          </a:custGeom>
+          </a:prstGeom>
           <a:ln>
             <a:solidFill>
-              <a:schemeClr val="accent2">
-                <a:lumOff val="21764"/>
-              </a:schemeClr>
+              <a:srgbClr val="585858"/>
             </a:solidFill>
             <a:tailEnd type="triangle"/>
           </a:ln>
         </p:spPr>
         <p:txBody>
-          <a:bodyPr/>
+          <a:bodyPr lIns="45718" tIns="45718" rIns="45718" bIns="45718"/>
           <a:lstStyle/>
           <a:p>
             <a:pPr/>
@@ -3435,56 +3336,27 @@
       </p:sp>
       <p:sp>
         <p:nvSpPr>
-          <p:cNvPr id="142" name="Google Shape;62;p13"/>
+          <p:cNvPr id="126" name="Google Shape;62;p13"/>
           <p:cNvSpPr/>
           <p:nvPr/>
         </p:nvSpPr>
         <p:spPr>
           <a:xfrm>
-            <a:off x="5735320" y="2409190"/>
-            <a:ext cx="1280160" cy="0"/>
+            <a:off x="5735320" y="2409189"/>
+            <a:ext cx="1280161" cy="1"/>
           </a:xfrm>
-          <a:custGeom>
+          <a:prstGeom prst="line">
             <a:avLst/>
-            <a:gdLst/>
-            <a:ahLst/>
-            <a:cxnLst>
-              <a:cxn ang="0">
-                <a:pos x="wd2" y="hd2"/>
-              </a:cxn>
-              <a:cxn ang="5400000">
-                <a:pos x="wd2" y="hd2"/>
-              </a:cxn>
-              <a:cxn ang="10800000">
-                <a:pos x="wd2" y="hd2"/>
-              </a:cxn>
-              <a:cxn ang="16200000">
-                <a:pos x="wd2" y="hd2"/>
-              </a:cxn>
-            </a:cxnLst>
-            <a:rect l="0" t="0" r="r" b="b"/>
-            <a:pathLst>
-              <a:path w="21600" h="0" fill="norm" stroke="1" extrusionOk="0">
-                <a:moveTo>
-                  <a:pt x="0" y="0"/>
-                </a:moveTo>
-                <a:lnTo>
-                  <a:pt x="21600" y="0"/>
-                </a:lnTo>
-              </a:path>
-            </a:pathLst>
-          </a:custGeom>
+          </a:prstGeom>
           <a:ln>
             <a:solidFill>
-              <a:schemeClr val="accent2">
-                <a:lumOff val="21764"/>
-              </a:schemeClr>
+              <a:srgbClr val="585858"/>
             </a:solidFill>
             <a:tailEnd type="triangle"/>
           </a:ln>
         </p:spPr>
         <p:txBody>
-          <a:bodyPr/>
+          <a:bodyPr lIns="45718" tIns="45718" rIns="45718" bIns="45718"/>
           <a:lstStyle/>
           <a:p>
             <a:pPr/>
@@ -3499,10 +3371,10 @@
         </p:nvGrpSpPr>
         <p:grpSpPr>
           <a:xfrm>
-            <a:off x="4466751" y="3465852"/>
-            <a:ext cx="1230027" cy="561976"/>
-            <a:chOff x="0" y="0"/>
-            <a:chExt cx="1230025" cy="561975"/>
+            <a:off x="4466749" y="3465851"/>
+            <a:ext cx="1230030" cy="561978"/>
+            <a:chOff x="0" y="87758"/>
+            <a:chExt cx="1230028" cy="561976"/>
           </a:xfrm>
         </p:grpSpPr>
         <p:sp>
@@ -3513,8 +3385,8 @@
           </p:nvSpPr>
           <p:spPr>
             <a:xfrm>
-              <a:off x="-1" y="-1"/>
-              <a:ext cx="1230027" cy="561976"/>
+              <a:off x="0" y="87758"/>
+              <a:ext cx="1230029" cy="561977"/>
             </a:xfrm>
             <a:prstGeom prst="rect">
               <a:avLst/>
@@ -3543,17 +3415,51 @@
         <p:sp>
           <p:nvSpPr>
             <p:cNvPr id="128" name="Infrastructure as code compliance scanning"/>
-            <p:cNvSpPr txBox="1"/>
+            <p:cNvSpPr/>
             <p:nvPr/>
           </p:nvSpPr>
           <p:spPr>
             <a:xfrm>
-              <a:off x="-1" y="65594"/>
-              <a:ext cx="1230027" cy="430787"/>
+              <a:off x="0" y="368746"/>
+              <a:ext cx="1230029" cy="1"/>
             </a:xfrm>
-            <a:prstGeom prst="rect">
+            <a:custGeom>
               <a:avLst/>
-            </a:prstGeom>
+              <a:gdLst/>
+              <a:ahLst/>
+              <a:cxnLst>
+                <a:cxn ang="0">
+                  <a:pos x="wd2" y="hd2"/>
+                </a:cxn>
+                <a:cxn ang="5400000">
+                  <a:pos x="wd2" y="hd2"/>
+                </a:cxn>
+                <a:cxn ang="10800000">
+                  <a:pos x="wd2" y="hd2"/>
+                </a:cxn>
+                <a:cxn ang="16200000">
+                  <a:pos x="wd2" y="hd2"/>
+                </a:cxn>
+              </a:cxnLst>
+              <a:rect l="0" t="0" r="r" b="b"/>
+              <a:pathLst>
+                <a:path w="21600" h="0" fill="norm" stroke="1" extrusionOk="0">
+                  <a:moveTo>
+                    <a:pt x="0" y="0"/>
+                  </a:moveTo>
+                  <a:lnTo>
+                    <a:pt x="21600" y="0"/>
+                  </a:lnTo>
+                  <a:lnTo>
+                    <a:pt x="21600" y="0"/>
+                  </a:lnTo>
+                  <a:lnTo>
+                    <a:pt x="0" y="0"/>
+                  </a:lnTo>
+                  <a:close/>
+                </a:path>
+              </a:pathLst>
+            </a:custGeom>
             <a:noFill/>
             <a:ln w="12700" cap="flat">
               <a:noFill/>
@@ -3567,18 +3473,20 @@
             </a:extLst>
           </p:spPr>
           <p:txBody>
-            <a:bodyPr wrap="square" lIns="91424" tIns="91424" rIns="91424" bIns="91424" numCol="1" anchor="ctr">
-              <a:noAutofit/>
+            <a:bodyPr wrap="square" lIns="91423" tIns="91423" rIns="91423" bIns="91423" numCol="1" anchor="ctr">
+              <a:spAutoFit/>
             </a:bodyPr>
-            <a:lstStyle>
-              <a:lvl1pPr algn="ctr">
+            <a:lstStyle/>
+            <a:p>
+              <a:pPr algn="ctr">
                 <a:defRPr sz="1000"/>
-              </a:lvl1pPr>
-            </a:lstStyle>
-            <a:p>
-              <a:pPr/>
+              </a:pPr>
               <a:r>
-                <a:t>Infrastructure as code compliance scanning</a:t>
+                <a:t>Infrastructure as code compliance scanning using </a:t>
+              </a:r>
+              <a:r>
+                <a:rPr b="1" i="1"/>
+                <a:t>Checkov</a:t>
               </a:r>
             </a:p>
           </p:txBody>
@@ -3586,56 +3494,27 @@
       </p:grpSp>
       <p:sp>
         <p:nvSpPr>
-          <p:cNvPr id="143" name="Google Shape;59;p13"/>
+          <p:cNvPr id="130" name="Google Shape;59;p13"/>
           <p:cNvSpPr/>
           <p:nvPr/>
         </p:nvSpPr>
         <p:spPr>
           <a:xfrm>
             <a:off x="1816100" y="3746500"/>
-            <a:ext cx="2650490" cy="0"/>
+            <a:ext cx="2650491" cy="0"/>
           </a:xfrm>
-          <a:custGeom>
+          <a:prstGeom prst="line">
             <a:avLst/>
-            <a:gdLst/>
-            <a:ahLst/>
-            <a:cxnLst>
-              <a:cxn ang="0">
-                <a:pos x="wd2" y="hd2"/>
-              </a:cxn>
-              <a:cxn ang="5400000">
-                <a:pos x="wd2" y="hd2"/>
-              </a:cxn>
-              <a:cxn ang="10800000">
-                <a:pos x="wd2" y="hd2"/>
-              </a:cxn>
-              <a:cxn ang="16200000">
-                <a:pos x="wd2" y="hd2"/>
-              </a:cxn>
-            </a:cxnLst>
-            <a:rect l="0" t="0" r="r" b="b"/>
-            <a:pathLst>
-              <a:path w="21600" h="0" fill="norm" stroke="1" extrusionOk="0">
-                <a:moveTo>
-                  <a:pt x="0" y="0"/>
-                </a:moveTo>
-                <a:lnTo>
-                  <a:pt x="21600" y="0"/>
-                </a:lnTo>
-              </a:path>
-            </a:pathLst>
-          </a:custGeom>
+          </a:prstGeom>
           <a:ln>
             <a:solidFill>
-              <a:schemeClr val="accent2">
-                <a:lumOff val="21764"/>
-              </a:schemeClr>
+              <a:srgbClr val="585858"/>
             </a:solidFill>
             <a:tailEnd type="triangle"/>
           </a:ln>
         </p:spPr>
         <p:txBody>
-          <a:bodyPr/>
+          <a:bodyPr lIns="45718" tIns="45718" rIns="45718" bIns="45718"/>
           <a:lstStyle/>
           <a:p>
             <a:pPr/>
@@ -3644,56 +3523,27 @@
       </p:sp>
       <p:sp>
         <p:nvSpPr>
-          <p:cNvPr id="144" name="Google Shape;59;p13"/>
+          <p:cNvPr id="131" name="Google Shape;59;p13"/>
           <p:cNvSpPr/>
           <p:nvPr/>
         </p:nvSpPr>
         <p:spPr>
-          <a:xfrm>
+          <a:xfrm flipV="1">
             <a:off x="5081270" y="2708910"/>
-            <a:ext cx="0" cy="756920"/>
+            <a:ext cx="1" cy="756921"/>
           </a:xfrm>
-          <a:custGeom>
+          <a:prstGeom prst="line">
             <a:avLst/>
-            <a:gdLst/>
-            <a:ahLst/>
-            <a:cxnLst>
-              <a:cxn ang="0">
-                <a:pos x="wd2" y="hd2"/>
-              </a:cxn>
-              <a:cxn ang="5400000">
-                <a:pos x="wd2" y="hd2"/>
-              </a:cxn>
-              <a:cxn ang="10800000">
-                <a:pos x="wd2" y="hd2"/>
-              </a:cxn>
-              <a:cxn ang="16200000">
-                <a:pos x="wd2" y="hd2"/>
-              </a:cxn>
-            </a:cxnLst>
-            <a:rect l="0" t="0" r="r" b="b"/>
-            <a:pathLst>
-              <a:path w="0" h="21600" fill="norm" stroke="1" extrusionOk="0">
-                <a:moveTo>
-                  <a:pt x="0" y="21600"/>
-                </a:moveTo>
-                <a:lnTo>
-                  <a:pt x="0" y="0"/>
-                </a:lnTo>
-              </a:path>
-            </a:pathLst>
-          </a:custGeom>
+          </a:prstGeom>
           <a:ln>
             <a:solidFill>
-              <a:schemeClr val="accent2">
-                <a:lumOff val="21764"/>
-              </a:schemeClr>
+              <a:srgbClr val="585858"/>
             </a:solidFill>
             <a:tailEnd type="triangle"/>
           </a:ln>
         </p:spPr>
         <p:txBody>
-          <a:bodyPr/>
+          <a:bodyPr lIns="45718" tIns="45718" rIns="45718" bIns="45718"/>
           <a:lstStyle/>
           <a:p>
             <a:pPr/>
@@ -3708,10 +3558,10 @@
         </p:nvGrpSpPr>
         <p:grpSpPr>
           <a:xfrm>
-            <a:off x="2346205" y="561362"/>
-            <a:ext cx="1308001" cy="597601"/>
-            <a:chOff x="0" y="97"/>
-            <a:chExt cx="1308000" cy="597600"/>
+            <a:off x="2346205" y="421566"/>
+            <a:ext cx="1420295" cy="952501"/>
+            <a:chOff x="0" y="0"/>
+            <a:chExt cx="1420294" cy="952500"/>
           </a:xfrm>
         </p:grpSpPr>
         <p:sp>
@@ -3722,8 +3572,8 @@
           </p:nvSpPr>
           <p:spPr>
             <a:xfrm>
-              <a:off x="0" y="97"/>
-              <a:ext cx="1308001" cy="597601"/>
+              <a:off x="0" y="151797"/>
+              <a:ext cx="1420295" cy="648908"/>
             </a:xfrm>
             <a:prstGeom prst="rect">
               <a:avLst/>
@@ -3757,8 +3607,8 @@
           </p:nvSpPr>
           <p:spPr>
             <a:xfrm>
-              <a:off x="0" y="69849"/>
-              <a:ext cx="1308001" cy="458097"/>
+              <a:off x="0" y="0"/>
+              <a:ext cx="1420295" cy="952501"/>
             </a:xfrm>
             <a:prstGeom prst="rect">
               <a:avLst/>
@@ -3776,18 +3626,20 @@
             </a:extLst>
           </p:spPr>
           <p:txBody>
-            <a:bodyPr wrap="square" lIns="91424" tIns="91424" rIns="91424" bIns="91424" numCol="1" anchor="ctr">
-              <a:spAutoFit/>
+            <a:bodyPr wrap="square" lIns="91423" tIns="91423" rIns="91423" bIns="91423" numCol="1" anchor="ctr">
+              <a:noAutofit/>
             </a:bodyPr>
-            <a:lstStyle>
-              <a:lvl1pPr algn="ctr">
+            <a:lstStyle/>
+            <a:p>
+              <a:pPr algn="ctr">
                 <a:defRPr sz="1000"/>
-              </a:lvl1pPr>
-            </a:lstStyle>
-            <a:p>
-              <a:pPr/>
+              </a:pPr>
               <a:r>
-                <a:t>AMI or container image scanning</a:t>
+                <a:t>AMI or container image scanning using </a:t>
+              </a:r>
+              <a:r>
+                <a:rPr b="1" i="1"/>
+                <a:t>Amazon ECR image scanning</a:t>
               </a:r>
             </a:p>
           </p:txBody>
@@ -3795,56 +3647,27 @@
       </p:grpSp>
       <p:sp>
         <p:nvSpPr>
-          <p:cNvPr id="145" name="Google Shape;59;p13"/>
+          <p:cNvPr id="135" name="Google Shape;59;p13"/>
           <p:cNvSpPr/>
           <p:nvPr/>
         </p:nvSpPr>
         <p:spPr>
           <a:xfrm>
-            <a:off x="2999740" y="1158240"/>
-            <a:ext cx="0" cy="952501"/>
+            <a:off x="2999739" y="1235710"/>
+            <a:ext cx="1" cy="875031"/>
           </a:xfrm>
-          <a:custGeom>
+          <a:prstGeom prst="line">
             <a:avLst/>
-            <a:gdLst/>
-            <a:ahLst/>
-            <a:cxnLst>
-              <a:cxn ang="0">
-                <a:pos x="wd2" y="hd2"/>
-              </a:cxn>
-              <a:cxn ang="5400000">
-                <a:pos x="wd2" y="hd2"/>
-              </a:cxn>
-              <a:cxn ang="10800000">
-                <a:pos x="wd2" y="hd2"/>
-              </a:cxn>
-              <a:cxn ang="16200000">
-                <a:pos x="wd2" y="hd2"/>
-              </a:cxn>
-            </a:cxnLst>
-            <a:rect l="0" t="0" r="r" b="b"/>
-            <a:pathLst>
-              <a:path w="0" h="21600" fill="norm" stroke="1" extrusionOk="0">
-                <a:moveTo>
-                  <a:pt x="0" y="0"/>
-                </a:moveTo>
-                <a:lnTo>
-                  <a:pt x="0" y="21600"/>
-                </a:lnTo>
-              </a:path>
-            </a:pathLst>
-          </a:custGeom>
+          </a:prstGeom>
           <a:ln>
             <a:solidFill>
-              <a:schemeClr val="accent2">
-                <a:lumOff val="21764"/>
-              </a:schemeClr>
+              <a:srgbClr val="585858"/>
             </a:solidFill>
             <a:tailEnd type="triangle"/>
           </a:ln>
         </p:spPr>
         <p:txBody>
-          <a:bodyPr/>
+          <a:bodyPr lIns="45718" tIns="45718" rIns="45718" bIns="45718"/>
           <a:lstStyle/>
           <a:p>
             <a:pPr/>
@@ -3859,10 +3682,10 @@
         </p:nvGrpSpPr>
         <p:grpSpPr>
           <a:xfrm>
-            <a:off x="7195092" y="3585197"/>
-            <a:ext cx="1308001" cy="597796"/>
-            <a:chOff x="0" y="0"/>
-            <a:chExt cx="1308000" cy="597795"/>
+            <a:off x="7195091" y="3585294"/>
+            <a:ext cx="1308003" cy="597603"/>
+            <a:chOff x="0" y="69945"/>
+            <a:chExt cx="1308001" cy="597601"/>
           </a:xfrm>
         </p:grpSpPr>
         <p:sp>
@@ -3873,8 +3696,8 @@
           </p:nvSpPr>
           <p:spPr>
             <a:xfrm>
-              <a:off x="0" y="97"/>
-              <a:ext cx="1308001" cy="597601"/>
+              <a:off x="0" y="69945"/>
+              <a:ext cx="1308002" cy="597603"/>
             </a:xfrm>
             <a:prstGeom prst="rect">
               <a:avLst/>
@@ -3903,17 +3726,51 @@
         <p:sp>
           <p:nvSpPr>
             <p:cNvPr id="137" name="Post-deployment compliance scanning"/>
-            <p:cNvSpPr txBox="1"/>
+            <p:cNvSpPr/>
             <p:nvPr/>
           </p:nvSpPr>
           <p:spPr>
             <a:xfrm>
-              <a:off x="0" y="-1"/>
-              <a:ext cx="1308001" cy="597797"/>
+              <a:off x="0" y="368746"/>
+              <a:ext cx="1308002" cy="1"/>
             </a:xfrm>
-            <a:prstGeom prst="rect">
+            <a:custGeom>
               <a:avLst/>
-            </a:prstGeom>
+              <a:gdLst/>
+              <a:ahLst/>
+              <a:cxnLst>
+                <a:cxn ang="0">
+                  <a:pos x="wd2" y="hd2"/>
+                </a:cxn>
+                <a:cxn ang="5400000">
+                  <a:pos x="wd2" y="hd2"/>
+                </a:cxn>
+                <a:cxn ang="10800000">
+                  <a:pos x="wd2" y="hd2"/>
+                </a:cxn>
+                <a:cxn ang="16200000">
+                  <a:pos x="wd2" y="hd2"/>
+                </a:cxn>
+              </a:cxnLst>
+              <a:rect l="0" t="0" r="r" b="b"/>
+              <a:pathLst>
+                <a:path w="21600" h="0" fill="norm" stroke="1" extrusionOk="0">
+                  <a:moveTo>
+                    <a:pt x="0" y="0"/>
+                  </a:moveTo>
+                  <a:lnTo>
+                    <a:pt x="21600" y="0"/>
+                  </a:lnTo>
+                  <a:lnTo>
+                    <a:pt x="21600" y="0"/>
+                  </a:lnTo>
+                  <a:lnTo>
+                    <a:pt x="0" y="0"/>
+                  </a:lnTo>
+                  <a:close/>
+                </a:path>
+              </a:pathLst>
+            </a:custGeom>
             <a:noFill/>
             <a:ln w="12700" cap="flat">
               <a:noFill/>
@@ -3927,18 +3784,20 @@
             </a:extLst>
           </p:spPr>
           <p:txBody>
-            <a:bodyPr wrap="square" lIns="91424" tIns="91424" rIns="91424" bIns="91424" numCol="1" anchor="ctr">
+            <a:bodyPr wrap="square" lIns="91423" tIns="91423" rIns="91423" bIns="91423" numCol="1" anchor="ctr">
               <a:spAutoFit/>
             </a:bodyPr>
-            <a:lstStyle>
-              <a:lvl1pPr algn="ctr">
+            <a:lstStyle/>
+            <a:p>
+              <a:pPr algn="ctr">
                 <a:defRPr sz="1000"/>
-              </a:lvl1pPr>
-            </a:lstStyle>
-            <a:p>
-              <a:pPr/>
+              </a:pPr>
               <a:r>
-                <a:t>Post-deployment compliance scanning</a:t>
+                <a:t>Post-deployment compliance scanning </a:t>
+              </a:r>
+              <a:r>
+                <a:rPr b="1" i="1"/>
+                <a:t>using AWS Config</a:t>
               </a:r>
             </a:p>
           </p:txBody>
@@ -3946,56 +3805,27 @@
       </p:grpSp>
       <p:sp>
         <p:nvSpPr>
-          <p:cNvPr id="146" name="Google Shape;62;p13"/>
+          <p:cNvPr id="139" name="Google Shape;62;p13"/>
           <p:cNvSpPr/>
           <p:nvPr/>
         </p:nvSpPr>
         <p:spPr>
           <a:xfrm>
             <a:off x="7848600" y="2708910"/>
-            <a:ext cx="0" cy="875030"/>
+            <a:ext cx="0" cy="875031"/>
           </a:xfrm>
-          <a:custGeom>
+          <a:prstGeom prst="line">
             <a:avLst/>
-            <a:gdLst/>
-            <a:ahLst/>
-            <a:cxnLst>
-              <a:cxn ang="0">
-                <a:pos x="wd2" y="hd2"/>
-              </a:cxn>
-              <a:cxn ang="5400000">
-                <a:pos x="wd2" y="hd2"/>
-              </a:cxn>
-              <a:cxn ang="10800000">
-                <a:pos x="wd2" y="hd2"/>
-              </a:cxn>
-              <a:cxn ang="16200000">
-                <a:pos x="wd2" y="hd2"/>
-              </a:cxn>
-            </a:cxnLst>
-            <a:rect l="0" t="0" r="r" b="b"/>
-            <a:pathLst>
-              <a:path w="0" h="21600" fill="norm" stroke="1" extrusionOk="0">
-                <a:moveTo>
-                  <a:pt x="0" y="0"/>
-                </a:moveTo>
-                <a:lnTo>
-                  <a:pt x="0" y="21600"/>
-                </a:lnTo>
-              </a:path>
-            </a:pathLst>
-          </a:custGeom>
+          </a:prstGeom>
           <a:ln>
             <a:solidFill>
-              <a:schemeClr val="accent2">
-                <a:lumOff val="21764"/>
-              </a:schemeClr>
+              <a:srgbClr val="585858"/>
             </a:solidFill>
             <a:tailEnd type="triangle"/>
           </a:ln>
         </p:spPr>
         <p:txBody>
-          <a:bodyPr/>
+          <a:bodyPr lIns="45718" tIns="45718" rIns="45718" bIns="45718"/>
           <a:lstStyle/>
           <a:p>
             <a:pPr/>
@@ -4143,13 +3973,7 @@
           <a:effectLst/>
         </a:effectStyle>
         <a:effectStyle>
-          <a:effectLst>
-            <a:outerShdw sx="100000" sy="100000" kx="0" ky="0" algn="b" rotWithShape="0" blurRad="38100" dist="20000" dir="5400000">
-              <a:srgbClr val="000000">
-                <a:alpha val="38000"/>
-              </a:srgbClr>
-            </a:outerShdw>
-          </a:effectLst>
+          <a:effectLst/>
         </a:effectStyle>
       </a:effectStyleLst>
       <a:bgFillStyleLst>
@@ -4506,13 +4330,7 @@
           <a:prstDash val="solid"/>
           <a:round/>
         </a:ln>
-        <a:effectLst>
-          <a:outerShdw sx="100000" sy="100000" kx="0" ky="0" algn="b" rotWithShape="0" blurRad="38100" dist="20000" dir="5400000">
-            <a:srgbClr val="000000">
-              <a:alpha val="38000"/>
-            </a:srgbClr>
-          </a:outerShdw>
-        </a:effectLst>
+        <a:effectLst/>
         <a:sp3d/>
       </a:spPr>
       <a:bodyPr rot="0" spcFirstLastPara="1" vertOverflow="overflow" horzOverflow="overflow" vert="horz" wrap="square" lIns="91439" tIns="45719" rIns="91439" bIns="45719" numCol="1" spcCol="38100" rtlCol="0" anchor="t" upright="0">
@@ -5209,13 +5027,7 @@
           <a:effectLst/>
         </a:effectStyle>
         <a:effectStyle>
-          <a:effectLst>
-            <a:outerShdw sx="100000" sy="100000" kx="0" ky="0" algn="b" rotWithShape="0" blurRad="38100" dist="20000" dir="5400000">
-              <a:srgbClr val="000000">
-                <a:alpha val="38000"/>
-              </a:srgbClr>
-            </a:outerShdw>
-          </a:effectLst>
+          <a:effectLst/>
         </a:effectStyle>
       </a:effectStyleLst>
       <a:bgFillStyleLst>
@@ -5572,13 +5384,7 @@
           <a:prstDash val="solid"/>
           <a:round/>
         </a:ln>
-        <a:effectLst>
-          <a:outerShdw sx="100000" sy="100000" kx="0" ky="0" algn="b" rotWithShape="0" blurRad="38100" dist="20000" dir="5400000">
-            <a:srgbClr val="000000">
-              <a:alpha val="38000"/>
-            </a:srgbClr>
-          </a:outerShdw>
-        </a:effectLst>
+        <a:effectLst/>
         <a:sp3d/>
       </a:spPr>
       <a:bodyPr rot="0" spcFirstLastPara="1" vertOverflow="overflow" horzOverflow="overflow" vert="horz" wrap="square" lIns="91439" tIns="45719" rIns="91439" bIns="45719" numCol="1" spcCol="38100" rtlCol="0" anchor="t" upright="0">
